--- a/02_aulas/05 - r project.pptx
+++ b/02_aulas/05 - r project.pptx
@@ -5,7 +5,7 @@
     <p:sldMasterId id="2147483648" r:id="rId1"/>
   </p:sldMasterIdLst>
   <p:notesMasterIdLst>
-    <p:notesMasterId r:id="rId29"/>
+    <p:notesMasterId r:id="rId30"/>
   </p:notesMasterIdLst>
   <p:sldIdLst>
     <p:sldId id="256" r:id="rId2"/>
@@ -35,6 +35,7 @@
     <p:sldId id="282" r:id="rId26"/>
     <p:sldId id="283" r:id="rId27"/>
     <p:sldId id="284" r:id="rId28"/>
+    <p:sldId id="286" r:id="rId29"/>
   </p:sldIdLst>
   <p:sldSz cx="12192000" cy="6858000"/>
   <p:notesSz cx="6858000" cy="9144000"/>
@@ -13992,7 +13993,7 @@
         <p:spPr>
           <a:xfrm>
             <a:off x="6358758" y="1649295"/>
-            <a:ext cx="5465379" cy="2308324"/>
+            <a:ext cx="3807797" cy="2185214"/>
           </a:xfrm>
           <a:prstGeom prst="rect">
             <a:avLst/>
@@ -14006,7 +14007,7 @@
           <a:lstStyle/>
           <a:p>
             <a:r>
-              <a:rPr lang="pt-BR" sz="2400" b="1" dirty="0"/>
+              <a:rPr lang="pt-BR" sz="2000" dirty="0"/>
               <a:t>Clique no ícone destacado e crie as seguintes pastas:</a:t>
             </a:r>
           </a:p>
@@ -14630,8 +14631,8 @@
         </p:nvSpPr>
         <p:spPr>
           <a:xfrm>
-            <a:off x="472966" y="1566230"/>
-            <a:ext cx="10880834" cy="3046988"/>
+            <a:off x="411493" y="1905506"/>
+            <a:ext cx="11369014" cy="3046988"/>
           </a:xfrm>
           <a:prstGeom prst="rect">
             <a:avLst/>
@@ -14650,7 +14651,23 @@
             </a:pPr>
             <a:r>
               <a:rPr lang="pt-BR" sz="2400" dirty="0"/>
-              <a:t>Agora que vocês criaram seu próprio RProject, vocês podem seguir/acompanhar esse curso criando seus scripts e outputs, ou usar a pasta:</a:t>
+              <a:t>Agora que vocês criaram seu próprio RProject, vocês podem seguir/acompanhar esse curso criando </a:t>
+            </a:r>
+            <a:r>
+              <a:rPr lang="pt-BR" sz="2400" b="1" dirty="0"/>
+              <a:t>seus scripts </a:t>
+            </a:r>
+            <a:r>
+              <a:rPr lang="pt-BR" sz="2400" dirty="0"/>
+              <a:t>e outputs, </a:t>
+            </a:r>
+            <a:r>
+              <a:rPr lang="pt-BR" sz="2400" b="1" dirty="0"/>
+              <a:t>ou usar a pasta</a:t>
+            </a:r>
+            <a:r>
+              <a:rPr lang="pt-BR" sz="2400" dirty="0"/>
+              <a:t>:</a:t>
             </a:r>
           </a:p>
           <a:p>
@@ -14662,11 +14679,27 @@
               <a:buChar char="q"/>
             </a:pPr>
             <a:r>
-              <a:rPr lang="pt-BR" sz="2400" dirty="0">
-                <a:hlinkClick r:id="rId2"/>
+              <a:rPr lang="pt-BR" sz="2400" b="1" dirty="0">
+                <a:solidFill>
+                  <a:srgbClr val="0070C0"/>
+                </a:solidFill>
+                <a:hlinkClick r:id="rId2">
+                  <a:extLst>
+                    <a:ext uri="{A12FA001-AC4F-418D-AE19-62706E023703}">
+                      <ahyp:hlinkClr xmlns:ahyp="http://schemas.microsoft.com/office/drawing/2018/hyperlinkcolor" val="tx"/>
+                    </a:ext>
+                  </a:extLst>
+                </a:hlinkClick>
               </a:rPr>
               <a:t>LABIC_curso_introducao_a_manejo_visualizacao_e_analise_de_dados_com_R</a:t>
             </a:r>
+            <a:endParaRPr lang="pt-BR" sz="2400" b="1" dirty="0">
+              <a:solidFill>
+                <a:srgbClr val="0070C0"/>
+              </a:solidFill>
+            </a:endParaRPr>
+          </a:p>
+          <a:p>
             <a:r>
               <a:rPr lang="pt-BR" sz="2400" dirty="0"/>
               <a:t>que clonaram ontem do GitHub. </a:t>
@@ -14688,17 +14721,453 @@
               <a:t>Ela também é um RProject e ambas devem estar no diretório </a:t>
             </a:r>
             <a:r>
-              <a:rPr lang="pt-BR" sz="2400" b="1" dirty="0"/>
+              <a:rPr lang="pt-BR" sz="2400" b="1" dirty="0">
+                <a:highlight>
+                  <a:srgbClr val="FFFF00"/>
+                </a:highlight>
+              </a:rPr>
               <a:t>C:</a:t>
             </a:r>
-            <a:endParaRPr lang="en-US" sz="2400" b="1" dirty="0"/>
-          </a:p>
-        </p:txBody>
-      </p:sp>
+            <a:endParaRPr lang="en-US" sz="2400" b="1" dirty="0">
+              <a:highlight>
+                <a:srgbClr val="FFFF00"/>
+              </a:highlight>
+            </a:endParaRPr>
+          </a:p>
+        </p:txBody>
+      </p:sp>
+      <p:pic>
+        <p:nvPicPr>
+          <p:cNvPr id="5" name="Gráfico 4" descr="Link com preenchimento sólido">
+            <a:extLst>
+              <a:ext uri="{FF2B5EF4-FFF2-40B4-BE49-F238E27FC236}">
+                <a16:creationId xmlns:a16="http://schemas.microsoft.com/office/drawing/2014/main" id="{8651F62B-40FD-9A6C-7D14-B97148051291}"/>
+              </a:ext>
+            </a:extLst>
+          </p:cNvPr>
+          <p:cNvPicPr>
+            <a:picLocks noChangeAspect="1"/>
+          </p:cNvPicPr>
+          <p:nvPr/>
+        </p:nvPicPr>
+        <p:blipFill>
+          <a:blip r:embed="rId3">
+            <a:extLst>
+              <a:ext uri="{96DAC541-7B7A-43D3-8B79-37D633B846F1}">
+                <asvg:svgBlip xmlns:asvg="http://schemas.microsoft.com/office/drawing/2016/SVG/main" r:embed="rId4"/>
+              </a:ext>
+            </a:extLst>
+          </a:blip>
+          <a:stretch>
+            <a:fillRect/>
+          </a:stretch>
+        </p:blipFill>
+        <p:spPr>
+          <a:xfrm>
+            <a:off x="73743" y="2998838"/>
+            <a:ext cx="430162" cy="430162"/>
+          </a:xfrm>
+          <a:prstGeom prst="rect">
+            <a:avLst/>
+          </a:prstGeom>
+        </p:spPr>
+      </p:pic>
     </p:spTree>
     <p:extLst>
       <p:ext uri="{BB962C8B-B14F-4D97-AF65-F5344CB8AC3E}">
         <p14:creationId xmlns:p14="http://schemas.microsoft.com/office/powerpoint/2010/main" val="2990205690"/>
+      </p:ext>
+    </p:extLst>
+  </p:cSld>
+  <p:clrMapOvr>
+    <a:masterClrMapping/>
+  </p:clrMapOvr>
+</p:sld>
+</file>
+
+<file path=ppt/slides/slide28.xml><?xml version="1.0" encoding="utf-8"?>
+<p:sld xmlns:a="http://schemas.openxmlformats.org/drawingml/2006/main" xmlns:r="http://schemas.openxmlformats.org/officeDocument/2006/relationships" xmlns:p="http://schemas.openxmlformats.org/presentationml/2006/main">
+  <p:cSld>
+    <p:spTree>
+      <p:nvGrpSpPr>
+        <p:cNvPr id="1" name="">
+          <a:extLst>
+            <a:ext uri="{FF2B5EF4-FFF2-40B4-BE49-F238E27FC236}">
+              <a16:creationId xmlns:a16="http://schemas.microsoft.com/office/drawing/2014/main" id="{A791E5AC-39D0-0C78-B058-169CEF177C1B}"/>
+            </a:ext>
+          </a:extLst>
+        </p:cNvPr>
+        <p:cNvGrpSpPr/>
+        <p:nvPr/>
+      </p:nvGrpSpPr>
+      <p:grpSpPr>
+        <a:xfrm>
+          <a:off x="0" y="0"/>
+          <a:ext cx="0" cy="0"/>
+          <a:chOff x="0" y="0"/>
+          <a:chExt cx="0" cy="0"/>
+        </a:xfrm>
+      </p:grpSpPr>
+      <p:sp>
+        <p:nvSpPr>
+          <p:cNvPr id="2" name="Título 1">
+            <a:extLst>
+              <a:ext uri="{FF2B5EF4-FFF2-40B4-BE49-F238E27FC236}">
+                <a16:creationId xmlns:a16="http://schemas.microsoft.com/office/drawing/2014/main" id="{9AC95939-C029-EA0C-8AEA-BFF11486DC42}"/>
+              </a:ext>
+            </a:extLst>
+          </p:cNvPr>
+          <p:cNvSpPr>
+            <a:spLocks noGrp="1"/>
+          </p:cNvSpPr>
+          <p:nvPr>
+            <p:ph type="title"/>
+          </p:nvPr>
+        </p:nvSpPr>
+        <p:spPr>
+          <a:xfrm>
+            <a:off x="164224" y="-76901"/>
+            <a:ext cx="10515600" cy="1325563"/>
+          </a:xfrm>
+        </p:spPr>
+        <p:txBody>
+          <a:bodyPr/>
+          <a:lstStyle/>
+          <a:p>
+            <a:r>
+              <a:rPr lang="pt-BR" b="1" dirty="0">
+                <a:solidFill>
+                  <a:srgbClr val="6E4F8A"/>
+                </a:solidFill>
+              </a:rPr>
+              <a:t>E agora?</a:t>
+            </a:r>
+            <a:endParaRPr lang="en-US" b="1" dirty="0">
+              <a:solidFill>
+                <a:srgbClr val="6E4F8A"/>
+              </a:solidFill>
+            </a:endParaRPr>
+          </a:p>
+        </p:txBody>
+      </p:sp>
+      <p:sp>
+        <p:nvSpPr>
+          <p:cNvPr id="4" name="Espaço Reservado para Número de Slide 3">
+            <a:extLst>
+              <a:ext uri="{FF2B5EF4-FFF2-40B4-BE49-F238E27FC236}">
+                <a16:creationId xmlns:a16="http://schemas.microsoft.com/office/drawing/2014/main" id="{FB318BF3-F3D1-36DF-1206-6C11D404B154}"/>
+              </a:ext>
+            </a:extLst>
+          </p:cNvPr>
+          <p:cNvSpPr>
+            <a:spLocks noGrp="1"/>
+          </p:cNvSpPr>
+          <p:nvPr>
+            <p:ph type="sldNum" sz="quarter" idx="12"/>
+          </p:nvPr>
+        </p:nvSpPr>
+        <p:spPr/>
+        <p:txBody>
+          <a:bodyPr/>
+          <a:lstStyle/>
+          <a:p>
+            <a:fld id="{79B5B39C-3780-455C-80CA-14351220CBC6}" type="slidenum">
+              <a:rPr lang="en-US" smtClean="0"/>
+              <a:t>28</a:t>
+            </a:fld>
+            <a:endParaRPr lang="en-US" dirty="0"/>
+          </a:p>
+        </p:txBody>
+      </p:sp>
+      <p:pic>
+        <p:nvPicPr>
+          <p:cNvPr id="5" name="Gráfico 4" descr="Link com preenchimento sólido">
+            <a:extLst>
+              <a:ext uri="{FF2B5EF4-FFF2-40B4-BE49-F238E27FC236}">
+                <a16:creationId xmlns:a16="http://schemas.microsoft.com/office/drawing/2014/main" id="{FB4EF7D9-7758-5797-84C5-D617CD75C74D}"/>
+              </a:ext>
+            </a:extLst>
+          </p:cNvPr>
+          <p:cNvPicPr>
+            <a:picLocks noChangeAspect="1"/>
+          </p:cNvPicPr>
+          <p:nvPr/>
+        </p:nvPicPr>
+        <p:blipFill>
+          <a:blip r:embed="rId2">
+            <a:extLst>
+              <a:ext uri="{96DAC541-7B7A-43D3-8B79-37D633B846F1}">
+                <asvg:svgBlip xmlns:asvg="http://schemas.microsoft.com/office/drawing/2016/SVG/main" r:embed="rId3"/>
+              </a:ext>
+            </a:extLst>
+          </a:blip>
+          <a:stretch>
+            <a:fillRect/>
+          </a:stretch>
+        </p:blipFill>
+        <p:spPr>
+          <a:xfrm>
+            <a:off x="73743" y="2998838"/>
+            <a:ext cx="430162" cy="430162"/>
+          </a:xfrm>
+          <a:prstGeom prst="rect">
+            <a:avLst/>
+          </a:prstGeom>
+        </p:spPr>
+      </p:pic>
+      <p:grpSp>
+        <p:nvGrpSpPr>
+          <p:cNvPr id="12" name="Agrupar 11">
+            <a:extLst>
+              <a:ext uri="{FF2B5EF4-FFF2-40B4-BE49-F238E27FC236}">
+                <a16:creationId xmlns:a16="http://schemas.microsoft.com/office/drawing/2014/main" id="{B381998C-8CBD-6851-33D9-F18928D12FA6}"/>
+              </a:ext>
+            </a:extLst>
+          </p:cNvPr>
+          <p:cNvGrpSpPr/>
+          <p:nvPr/>
+        </p:nvGrpSpPr>
+        <p:grpSpPr>
+          <a:xfrm>
+            <a:off x="4803060" y="110453"/>
+            <a:ext cx="5963264" cy="2443131"/>
+            <a:chOff x="2327321" y="963643"/>
+            <a:chExt cx="7859222" cy="3219899"/>
+          </a:xfrm>
+        </p:grpSpPr>
+        <p:pic>
+          <p:nvPicPr>
+            <p:cNvPr id="7" name="Imagem 6" descr="Tela de computador com texto preto sobre fundo branco&#10;&#10;O conteúdo gerado por IA pode estar incorreto.">
+              <a:extLst>
+                <a:ext uri="{FF2B5EF4-FFF2-40B4-BE49-F238E27FC236}">
+                  <a16:creationId xmlns:a16="http://schemas.microsoft.com/office/drawing/2014/main" id="{B8CA2272-CA01-E1C5-1F51-4B9E81720A97}"/>
+                </a:ext>
+              </a:extLst>
+            </p:cNvPr>
+            <p:cNvPicPr>
+              <a:picLocks noChangeAspect="1"/>
+            </p:cNvPicPr>
+            <p:nvPr/>
+          </p:nvPicPr>
+          <p:blipFill>
+            <a:blip r:embed="rId4">
+              <a:extLst>
+                <a:ext uri="{28A0092B-C50C-407E-A947-70E740481C1C}">
+                  <a14:useLocalDpi xmlns:a14="http://schemas.microsoft.com/office/drawing/2010/main" val="0"/>
+                </a:ext>
+              </a:extLst>
+            </a:blip>
+            <a:stretch>
+              <a:fillRect/>
+            </a:stretch>
+          </p:blipFill>
+          <p:spPr>
+            <a:xfrm>
+              <a:off x="2327321" y="963643"/>
+              <a:ext cx="7859222" cy="3219899"/>
+            </a:xfrm>
+            <a:prstGeom prst="rect">
+              <a:avLst/>
+            </a:prstGeom>
+          </p:spPr>
+        </p:pic>
+        <p:sp>
+          <p:nvSpPr>
+            <p:cNvPr id="9" name="Retângulo 8">
+              <a:extLst>
+                <a:ext uri="{FF2B5EF4-FFF2-40B4-BE49-F238E27FC236}">
+                  <a16:creationId xmlns:a16="http://schemas.microsoft.com/office/drawing/2014/main" id="{4E551534-05DF-325C-A568-AC95194496A2}"/>
+                </a:ext>
+              </a:extLst>
+            </p:cNvPr>
+            <p:cNvSpPr/>
+            <p:nvPr/>
+          </p:nvSpPr>
+          <p:spPr>
+            <a:xfrm>
+              <a:off x="2460575" y="1135700"/>
+              <a:ext cx="4589153" cy="240816"/>
+            </a:xfrm>
+            <a:prstGeom prst="rect">
+              <a:avLst/>
+            </a:prstGeom>
+            <a:noFill/>
+            <a:ln>
+              <a:solidFill>
+                <a:srgbClr val="FF0000"/>
+              </a:solidFill>
+            </a:ln>
+          </p:spPr>
+          <p:style>
+            <a:lnRef idx="2">
+              <a:schemeClr val="accent1">
+                <a:shade val="15000"/>
+              </a:schemeClr>
+            </a:lnRef>
+            <a:fillRef idx="1">
+              <a:schemeClr val="accent1"/>
+            </a:fillRef>
+            <a:effectRef idx="0">
+              <a:schemeClr val="accent1"/>
+            </a:effectRef>
+            <a:fontRef idx="minor">
+              <a:schemeClr val="lt1"/>
+            </a:fontRef>
+          </p:style>
+          <p:txBody>
+            <a:bodyPr rtlCol="0" anchor="ctr"/>
+            <a:lstStyle/>
+            <a:p>
+              <a:pPr algn="ctr"/>
+              <a:endParaRPr lang="en-US"/>
+            </a:p>
+          </p:txBody>
+        </p:sp>
+      </p:grpSp>
+      <p:pic>
+        <p:nvPicPr>
+          <p:cNvPr id="11" name="Imagem 10" descr="Interface gráfica do usuário, Texto&#10;&#10;O conteúdo gerado por IA pode estar incorreto.">
+            <a:extLst>
+              <a:ext uri="{FF2B5EF4-FFF2-40B4-BE49-F238E27FC236}">
+                <a16:creationId xmlns:a16="http://schemas.microsoft.com/office/drawing/2014/main" id="{1778EEFA-D14C-A572-CD80-A928F86FB297}"/>
+              </a:ext>
+            </a:extLst>
+          </p:cNvPr>
+          <p:cNvPicPr>
+            <a:picLocks noChangeAspect="1"/>
+          </p:cNvPicPr>
+          <p:nvPr/>
+        </p:nvPicPr>
+        <p:blipFill>
+          <a:blip r:embed="rId5">
+            <a:extLst>
+              <a:ext uri="{28A0092B-C50C-407E-A947-70E740481C1C}">
+                <a14:useLocalDpi xmlns:a14="http://schemas.microsoft.com/office/drawing/2010/main" val="0"/>
+              </a:ext>
+            </a:extLst>
+          </a:blip>
+          <a:stretch>
+            <a:fillRect/>
+          </a:stretch>
+        </p:blipFill>
+        <p:spPr>
+          <a:xfrm>
+            <a:off x="4803060" y="2553584"/>
+            <a:ext cx="5963264" cy="4259475"/>
+          </a:xfrm>
+          <a:prstGeom prst="rect">
+            <a:avLst/>
+          </a:prstGeom>
+        </p:spPr>
+      </p:pic>
+      <p:sp>
+        <p:nvSpPr>
+          <p:cNvPr id="13" name="Retângulo 12">
+            <a:extLst>
+              <a:ext uri="{FF2B5EF4-FFF2-40B4-BE49-F238E27FC236}">
+                <a16:creationId xmlns:a16="http://schemas.microsoft.com/office/drawing/2014/main" id="{0BC95EA5-9960-BF16-3038-EA5EC64AAA58}"/>
+              </a:ext>
+            </a:extLst>
+          </p:cNvPr>
+          <p:cNvSpPr/>
+          <p:nvPr/>
+        </p:nvSpPr>
+        <p:spPr>
+          <a:xfrm>
+            <a:off x="5272878" y="1519364"/>
+            <a:ext cx="596980" cy="141766"/>
+          </a:xfrm>
+          <a:prstGeom prst="rect">
+            <a:avLst/>
+          </a:prstGeom>
+          <a:noFill/>
+          <a:ln>
+            <a:solidFill>
+              <a:srgbClr val="FF0000"/>
+            </a:solidFill>
+          </a:ln>
+        </p:spPr>
+        <p:style>
+          <a:lnRef idx="2">
+            <a:schemeClr val="accent1">
+              <a:shade val="15000"/>
+            </a:schemeClr>
+          </a:lnRef>
+          <a:fillRef idx="1">
+            <a:schemeClr val="accent1"/>
+          </a:fillRef>
+          <a:effectRef idx="0">
+            <a:schemeClr val="accent1"/>
+          </a:effectRef>
+          <a:fontRef idx="minor">
+            <a:schemeClr val="lt1"/>
+          </a:fontRef>
+        </p:style>
+        <p:txBody>
+          <a:bodyPr rtlCol="0" anchor="ctr"/>
+          <a:lstStyle/>
+          <a:p>
+            <a:pPr algn="ctr"/>
+            <a:endParaRPr lang="en-US"/>
+          </a:p>
+        </p:txBody>
+      </p:sp>
+      <p:sp>
+        <p:nvSpPr>
+          <p:cNvPr id="14" name="Retângulo 13">
+            <a:extLst>
+              <a:ext uri="{FF2B5EF4-FFF2-40B4-BE49-F238E27FC236}">
+                <a16:creationId xmlns:a16="http://schemas.microsoft.com/office/drawing/2014/main" id="{577AACC6-9928-50C6-DB0A-8743B264EF83}"/>
+              </a:ext>
+            </a:extLst>
+          </p:cNvPr>
+          <p:cNvSpPr/>
+          <p:nvPr/>
+        </p:nvSpPr>
+        <p:spPr>
+          <a:xfrm>
+            <a:off x="5233549" y="4739148"/>
+            <a:ext cx="4923174" cy="157318"/>
+          </a:xfrm>
+          <a:prstGeom prst="rect">
+            <a:avLst/>
+          </a:prstGeom>
+          <a:noFill/>
+          <a:ln>
+            <a:solidFill>
+              <a:srgbClr val="FF0000"/>
+            </a:solidFill>
+          </a:ln>
+        </p:spPr>
+        <p:style>
+          <a:lnRef idx="2">
+            <a:schemeClr val="accent1">
+              <a:shade val="15000"/>
+            </a:schemeClr>
+          </a:lnRef>
+          <a:fillRef idx="1">
+            <a:schemeClr val="accent1"/>
+          </a:fillRef>
+          <a:effectRef idx="0">
+            <a:schemeClr val="accent1"/>
+          </a:effectRef>
+          <a:fontRef idx="minor">
+            <a:schemeClr val="lt1"/>
+          </a:fontRef>
+        </p:style>
+        <p:txBody>
+          <a:bodyPr rtlCol="0" anchor="ctr"/>
+          <a:lstStyle/>
+          <a:p>
+            <a:pPr algn="ctr"/>
+            <a:endParaRPr lang="en-US"/>
+          </a:p>
+        </p:txBody>
+      </p:sp>
+    </p:spTree>
+    <p:extLst>
+      <p:ext uri="{BB962C8B-B14F-4D97-AF65-F5344CB8AC3E}">
+        <p14:creationId xmlns:p14="http://schemas.microsoft.com/office/powerpoint/2010/main" val="2660533254"/>
       </p:ext>
     </p:extLst>
   </p:cSld>
